--- a/AWS.pptx
+++ b/AWS.pptx
@@ -6,14 +6,14 @@
   </p:sldMasterIdLst>
   <p:sldIdLst>
     <p:sldId id="257" r:id="rId2"/>
-    <p:sldId id="256" r:id="rId3"/>
-    <p:sldId id="262" r:id="rId4"/>
-    <p:sldId id="258" r:id="rId5"/>
-    <p:sldId id="259" r:id="rId6"/>
-    <p:sldId id="260" r:id="rId7"/>
-    <p:sldId id="261" r:id="rId8"/>
-    <p:sldId id="263" r:id="rId9"/>
-    <p:sldId id="264" r:id="rId10"/>
+    <p:sldId id="265" r:id="rId3"/>
+    <p:sldId id="270" r:id="rId4"/>
+    <p:sldId id="271" r:id="rId5"/>
+    <p:sldId id="267" r:id="rId6"/>
+    <p:sldId id="268" r:id="rId7"/>
+    <p:sldId id="269" r:id="rId8"/>
+    <p:sldId id="266" r:id="rId9"/>
+    <p:sldId id="272" r:id="rId10"/>
   </p:sldIdLst>
   <p:sldSz cx="9144000" cy="6858000" type="screen4x3"/>
   <p:notesSz cx="6858000" cy="9144000"/>
@@ -297,7 +297,7 @@
             <a:fld id="{A8F7D445-6670-42A6-922E-3E7A80087F73}" type="datetimeFigureOut">
               <a:rPr lang="en-IN" smtClean="0"/>
               <a:pPr/>
-              <a:t>16-04-2020</a:t>
+              <a:t>01-05-2020</a:t>
             </a:fld>
             <a:endParaRPr lang="en-IN"/>
           </a:p>
@@ -464,7 +464,7 @@
             <a:fld id="{A8F7D445-6670-42A6-922E-3E7A80087F73}" type="datetimeFigureOut">
               <a:rPr lang="en-IN" smtClean="0"/>
               <a:pPr/>
-              <a:t>16-04-2020</a:t>
+              <a:t>01-05-2020</a:t>
             </a:fld>
             <a:endParaRPr lang="en-IN"/>
           </a:p>
@@ -641,7 +641,7 @@
             <a:fld id="{A8F7D445-6670-42A6-922E-3E7A80087F73}" type="datetimeFigureOut">
               <a:rPr lang="en-IN" smtClean="0"/>
               <a:pPr/>
-              <a:t>16-04-2020</a:t>
+              <a:t>01-05-2020</a:t>
             </a:fld>
             <a:endParaRPr lang="en-IN"/>
           </a:p>
@@ -808,7 +808,7 @@
             <a:fld id="{A8F7D445-6670-42A6-922E-3E7A80087F73}" type="datetimeFigureOut">
               <a:rPr lang="en-IN" smtClean="0"/>
               <a:pPr/>
-              <a:t>16-04-2020</a:t>
+              <a:t>01-05-2020</a:t>
             </a:fld>
             <a:endParaRPr lang="en-IN"/>
           </a:p>
@@ -1051,7 +1051,7 @@
             <a:fld id="{A8F7D445-6670-42A6-922E-3E7A80087F73}" type="datetimeFigureOut">
               <a:rPr lang="en-IN" smtClean="0"/>
               <a:pPr/>
-              <a:t>16-04-2020</a:t>
+              <a:t>01-05-2020</a:t>
             </a:fld>
             <a:endParaRPr lang="en-IN"/>
           </a:p>
@@ -1336,7 +1336,7 @@
             <a:fld id="{A8F7D445-6670-42A6-922E-3E7A80087F73}" type="datetimeFigureOut">
               <a:rPr lang="en-IN" smtClean="0"/>
               <a:pPr/>
-              <a:t>16-04-2020</a:t>
+              <a:t>01-05-2020</a:t>
             </a:fld>
             <a:endParaRPr lang="en-IN"/>
           </a:p>
@@ -1755,7 +1755,7 @@
             <a:fld id="{A8F7D445-6670-42A6-922E-3E7A80087F73}" type="datetimeFigureOut">
               <a:rPr lang="en-IN" smtClean="0"/>
               <a:pPr/>
-              <a:t>16-04-2020</a:t>
+              <a:t>01-05-2020</a:t>
             </a:fld>
             <a:endParaRPr lang="en-IN"/>
           </a:p>
@@ -1870,7 +1870,7 @@
             <a:fld id="{A8F7D445-6670-42A6-922E-3E7A80087F73}" type="datetimeFigureOut">
               <a:rPr lang="en-IN" smtClean="0"/>
               <a:pPr/>
-              <a:t>16-04-2020</a:t>
+              <a:t>01-05-2020</a:t>
             </a:fld>
             <a:endParaRPr lang="en-IN"/>
           </a:p>
@@ -1962,7 +1962,7 @@
             <a:fld id="{A8F7D445-6670-42A6-922E-3E7A80087F73}" type="datetimeFigureOut">
               <a:rPr lang="en-IN" smtClean="0"/>
               <a:pPr/>
-              <a:t>16-04-2020</a:t>
+              <a:t>01-05-2020</a:t>
             </a:fld>
             <a:endParaRPr lang="en-IN"/>
           </a:p>
@@ -2236,7 +2236,7 @@
             <a:fld id="{A8F7D445-6670-42A6-922E-3E7A80087F73}" type="datetimeFigureOut">
               <a:rPr lang="en-IN" smtClean="0"/>
               <a:pPr/>
-              <a:t>16-04-2020</a:t>
+              <a:t>01-05-2020</a:t>
             </a:fld>
             <a:endParaRPr lang="en-IN"/>
           </a:p>
@@ -2486,7 +2486,7 @@
             <a:fld id="{A8F7D445-6670-42A6-922E-3E7A80087F73}" type="datetimeFigureOut">
               <a:rPr lang="en-IN" smtClean="0"/>
               <a:pPr/>
-              <a:t>16-04-2020</a:t>
+              <a:t>01-05-2020</a:t>
             </a:fld>
             <a:endParaRPr lang="en-IN"/>
           </a:p>
@@ -2696,7 +2696,7 @@
             <a:fld id="{A8F7D445-6670-42A6-922E-3E7A80087F73}" type="datetimeFigureOut">
               <a:rPr lang="en-IN" smtClean="0"/>
               <a:pPr/>
-              <a:t>16-04-2020</a:t>
+              <a:t>01-05-2020</a:t>
             </a:fld>
             <a:endParaRPr lang="en-IN"/>
           </a:p>
@@ -3115,91 +3115,38 @@
           <a:chExt cx="0" cy="0"/>
         </a:xfrm>
       </p:grpSpPr>
-      <p:sp>
-        <p:nvSpPr>
-          <p:cNvPr id="2" name="Title 1"/>
-          <p:cNvSpPr>
-            <a:spLocks noGrp="1"/>
-          </p:cNvSpPr>
-          <p:nvPr>
-            <p:ph type="title"/>
-          </p:nvPr>
-        </p:nvSpPr>
-        <p:spPr/>
-        <p:txBody>
-          <a:bodyPr/>
-          <a:lstStyle/>
-          <a:p>
-            <a:r>
-              <a:rPr lang="en-IN" dirty="0" smtClean="0"/>
-              <a:t>Code Build</a:t>
-            </a:r>
-            <a:endParaRPr lang="en-IN" dirty="0"/>
-          </a:p>
-        </p:txBody>
-      </p:sp>
-      <p:sp>
-        <p:nvSpPr>
-          <p:cNvPr id="3" name="Subtitle 2"/>
-          <p:cNvSpPr>
-            <a:spLocks noGrp="1"/>
-          </p:cNvSpPr>
-          <p:nvPr>
-            <p:ph idx="1"/>
-          </p:nvPr>
-        </p:nvSpPr>
-        <p:spPr/>
-        <p:txBody>
-          <a:bodyPr>
-            <a:normAutofit lnSpcReduction="10000"/>
-          </a:bodyPr>
-          <a:lstStyle/>
-          <a:p>
-            <a:r>
-              <a:rPr lang="en-IN" dirty="0"/>
-              <a:t>AWS </a:t>
-            </a:r>
-            <a:r>
-              <a:rPr lang="en-IN" dirty="0" err="1"/>
-              <a:t>CodeBuild</a:t>
-            </a:r>
-            <a:r>
-              <a:rPr lang="en-IN" dirty="0"/>
-              <a:t> is a fully managed continuous integration service that compiles source code, runs tests, and produces software packages that are ready to deploy. </a:t>
-            </a:r>
-            <a:endParaRPr lang="en-IN" dirty="0" smtClean="0"/>
-          </a:p>
-          <a:p>
-            <a:r>
-              <a:rPr lang="en-IN" dirty="0" smtClean="0"/>
-              <a:t>With </a:t>
-            </a:r>
-            <a:r>
-              <a:rPr lang="en-IN" dirty="0" err="1"/>
-              <a:t>CodeBuild</a:t>
-            </a:r>
-            <a:r>
-              <a:rPr lang="en-IN" dirty="0"/>
-              <a:t>, you don’t need to provision, manage, and scale your own build servers. </a:t>
-            </a:r>
-            <a:endParaRPr lang="en-IN" dirty="0" smtClean="0"/>
-          </a:p>
-          <a:p>
-            <a:r>
-              <a:rPr lang="en-IN" dirty="0" err="1" smtClean="0"/>
-              <a:t>CodeBuild</a:t>
-            </a:r>
-            <a:r>
-              <a:rPr lang="en-IN" dirty="0" smtClean="0"/>
-              <a:t> </a:t>
-            </a:r>
-            <a:r>
-              <a:rPr lang="en-IN" dirty="0"/>
-              <a:t>scales continuously and processes multiple builds concurrently, so your builds are not left waiting in a queue.</a:t>
-            </a:r>
-          </a:p>
-        </p:txBody>
-      </p:sp>
+      <p:pic>
+        <p:nvPicPr>
+          <p:cNvPr id="1026" name="Picture 2"/>
+          <p:cNvPicPr>
+            <a:picLocks noChangeAspect="1" noChangeArrowheads="1"/>
+          </p:cNvPicPr>
+          <p:nvPr/>
+        </p:nvPicPr>
+        <p:blipFill>
+          <a:blip r:embed="rId2" cstate="print"/>
+          <a:srcRect l="20196" t="12422" r="6750" b="19657"/>
+          <a:stretch>
+            <a:fillRect/>
+          </a:stretch>
+        </p:blipFill>
+        <p:spPr bwMode="auto">
+          <a:xfrm>
+            <a:off x="323528" y="908720"/>
+            <a:ext cx="8816284" cy="4608512"/>
+          </a:xfrm>
+          <a:prstGeom prst="rect">
+            <a:avLst/>
+          </a:prstGeom>
+          <a:noFill/>
+          <a:ln w="9525">
+            <a:noFill/>
+            <a:miter lim="800000"/>
+            <a:headEnd/>
+            <a:tailEnd/>
+          </a:ln>
+        </p:spPr>
+      </p:pic>
     </p:spTree>
   </p:cSld>
   <p:clrMapOvr>
@@ -3227,7 +3174,7 @@
       </p:grpSpPr>
       <p:pic>
         <p:nvPicPr>
-          <p:cNvPr id="5122" name="Picture 2"/>
+          <p:cNvPr id="6146" name="Picture 2"/>
           <p:cNvPicPr>
             <a:picLocks noChangeAspect="1" noChangeArrowheads="1"/>
           </p:cNvPicPr>
@@ -3235,15 +3182,15 @@
         </p:nvPicPr>
         <p:blipFill>
           <a:blip r:embed="rId2" cstate="print"/>
-          <a:srcRect/>
+          <a:srcRect l="21857" t="14391" r="15605" b="25563"/>
           <a:stretch>
             <a:fillRect/>
           </a:stretch>
         </p:blipFill>
         <p:spPr bwMode="auto">
           <a:xfrm>
-            <a:off x="323528" y="692696"/>
-            <a:ext cx="8511158" cy="4785190"/>
+            <a:off x="323528" y="836712"/>
+            <a:ext cx="8136904" cy="4392488"/>
           </a:xfrm>
           <a:prstGeom prst="rect">
             <a:avLst/>
@@ -3284,128 +3231,36 @@
       </p:grpSpPr>
       <p:pic>
         <p:nvPicPr>
-          <p:cNvPr id="1026" name="Picture 2" descr="C:\Users\Personal\Desktop\aaa.jpg"/>
+          <p:cNvPr id="7170" name="Picture 2"/>
           <p:cNvPicPr>
-            <a:picLocks noGrp="1" noChangeAspect="1" noChangeArrowheads="1"/>
+            <a:picLocks noChangeAspect="1" noChangeArrowheads="1"/>
           </p:cNvPicPr>
-          <p:nvPr>
-            <p:ph idx="1"/>
-          </p:nvPr>
+          <p:nvPr/>
         </p:nvPicPr>
         <p:blipFill>
           <a:blip r:embed="rId2" cstate="print"/>
-          <a:srcRect/>
+          <a:srcRect l="20196" t="14391" r="11731" b="20641"/>
           <a:stretch>
             <a:fillRect/>
           </a:stretch>
         </p:blipFill>
         <p:spPr bwMode="auto">
           <a:xfrm>
-            <a:off x="323528" y="1916832"/>
-            <a:ext cx="4608512" cy="2206619"/>
+            <a:off x="287016" y="620688"/>
+            <a:ext cx="8856984" cy="4752528"/>
           </a:xfrm>
           <a:prstGeom prst="rect">
             <a:avLst/>
           </a:prstGeom>
           <a:noFill/>
+          <a:ln w="9525">
+            <a:noFill/>
+            <a:miter lim="800000"/>
+            <a:headEnd/>
+            <a:tailEnd/>
+          </a:ln>
         </p:spPr>
       </p:pic>
-      <p:pic>
-        <p:nvPicPr>
-          <p:cNvPr id="1027" name="Picture 3" descr="C:\Users\Personal\Desktop\aaa.jpg"/>
-          <p:cNvPicPr>
-            <a:picLocks noChangeAspect="1" noChangeArrowheads="1"/>
-          </p:cNvPicPr>
-          <p:nvPr/>
-        </p:nvPicPr>
-        <p:blipFill>
-          <a:blip r:embed="rId3" cstate="print"/>
-          <a:srcRect/>
-          <a:stretch>
-            <a:fillRect/>
-          </a:stretch>
-        </p:blipFill>
-        <p:spPr bwMode="auto">
-          <a:xfrm>
-            <a:off x="4067944" y="4149080"/>
-            <a:ext cx="4600575" cy="2362200"/>
-          </a:xfrm>
-          <a:prstGeom prst="rect">
-            <a:avLst/>
-          </a:prstGeom>
-          <a:noFill/>
-        </p:spPr>
-      </p:pic>
-      <p:sp>
-        <p:nvSpPr>
-          <p:cNvPr id="6" name="TextBox 5"/>
-          <p:cNvSpPr txBox="1"/>
-          <p:nvPr/>
-        </p:nvSpPr>
-        <p:spPr>
-          <a:xfrm>
-            <a:off x="539552" y="476672"/>
-            <a:ext cx="8136904" cy="1477328"/>
-          </a:xfrm>
-          <a:prstGeom prst="rect">
-            <a:avLst/>
-          </a:prstGeom>
-          <a:noFill/>
-        </p:spPr>
-        <p:txBody>
-          <a:bodyPr wrap="square" rtlCol="0">
-            <a:spAutoFit/>
-          </a:bodyPr>
-          <a:lstStyle/>
-          <a:p>
-            <a:r>
-              <a:rPr lang="en-IN" dirty="0" smtClean="0"/>
-              <a:t>“Building” code refers to languages that require compiled binaries. </a:t>
-            </a:r>
-          </a:p>
-          <a:p>
-            <a:r>
-              <a:rPr lang="en-IN" dirty="0" err="1" smtClean="0"/>
-              <a:t>Eg</a:t>
-            </a:r>
-            <a:r>
-              <a:rPr lang="en-IN" dirty="0" smtClean="0"/>
-              <a:t>: </a:t>
-            </a:r>
-            <a:r>
-              <a:rPr lang="en-IN" dirty="0" err="1" smtClean="0"/>
-              <a:t>.net</a:t>
-            </a:r>
-            <a:r>
-              <a:rPr lang="en-IN" dirty="0" smtClean="0"/>
-              <a:t>, Java, IOS languages, process of creating </a:t>
-            </a:r>
-            <a:r>
-              <a:rPr lang="en-IN" dirty="0" err="1" smtClean="0"/>
-              <a:t>docker</a:t>
-            </a:r>
-            <a:r>
-              <a:rPr lang="en-IN" dirty="0" smtClean="0"/>
-              <a:t> container images is known as “building”</a:t>
-            </a:r>
-          </a:p>
-          <a:p>
-            <a:r>
-              <a:rPr lang="en-IN" dirty="0" smtClean="0"/>
-              <a:t>Languages that do not require to be built: PHP, </a:t>
-            </a:r>
-            <a:r>
-              <a:rPr lang="en-IN" dirty="0" err="1" smtClean="0"/>
-              <a:t>Node.js,Ruby</a:t>
-            </a:r>
-            <a:r>
-              <a:rPr lang="en-IN" dirty="0" smtClean="0"/>
-              <a:t>, Python – these can be directly deployed.</a:t>
-            </a:r>
-            <a:endParaRPr lang="en-IN" dirty="0"/>
-          </a:p>
-        </p:txBody>
-      </p:sp>
     </p:spTree>
   </p:cSld>
   <p:clrMapOvr>
@@ -3433,7 +3288,7 @@
       </p:grpSpPr>
       <p:pic>
         <p:nvPicPr>
-          <p:cNvPr id="2050" name="Picture 2"/>
+          <p:cNvPr id="3074" name="Picture 2"/>
           <p:cNvPicPr>
             <a:picLocks noChangeAspect="1" noChangeArrowheads="1"/>
           </p:cNvPicPr>
@@ -3441,15 +3296,15 @@
         </p:nvPicPr>
         <p:blipFill>
           <a:blip r:embed="rId2" cstate="print"/>
-          <a:srcRect/>
+          <a:srcRect l="21857" t="13407" r="11458" b="20641"/>
           <a:stretch>
             <a:fillRect/>
           </a:stretch>
         </p:blipFill>
         <p:spPr bwMode="auto">
           <a:xfrm>
-            <a:off x="251520" y="692696"/>
-            <a:ext cx="8709217" cy="4896544"/>
+            <a:off x="179512" y="476672"/>
+            <a:ext cx="8676456" cy="4824536"/>
           </a:xfrm>
           <a:prstGeom prst="rect">
             <a:avLst/>
@@ -3490,25 +3345,23 @@
       </p:grpSpPr>
       <p:pic>
         <p:nvPicPr>
-          <p:cNvPr id="5" name="Picture 3"/>
+          <p:cNvPr id="4098" name="Picture 2"/>
           <p:cNvPicPr>
-            <a:picLocks noGrp="1" noChangeAspect="1" noChangeArrowheads="1"/>
+            <a:picLocks noChangeAspect="1" noChangeArrowheads="1"/>
           </p:cNvPicPr>
-          <p:nvPr>
-            <p:ph idx="1"/>
-          </p:nvPr>
+          <p:nvPr/>
         </p:nvPicPr>
         <p:blipFill>
           <a:blip r:embed="rId2" cstate="print"/>
-          <a:srcRect/>
+          <a:srcRect l="21303" t="14391" r="8964" b="20641"/>
           <a:stretch>
             <a:fillRect/>
           </a:stretch>
         </p:blipFill>
         <p:spPr bwMode="auto">
           <a:xfrm>
-            <a:off x="611560" y="908720"/>
-            <a:ext cx="8050085" cy="4525963"/>
+            <a:off x="70992" y="620688"/>
+            <a:ext cx="9073008" cy="4752528"/>
           </a:xfrm>
           <a:prstGeom prst="rect">
             <a:avLst/>
@@ -3549,7 +3402,7 @@
       </p:grpSpPr>
       <p:pic>
         <p:nvPicPr>
-          <p:cNvPr id="4098" name="Picture 2"/>
+          <p:cNvPr id="5122" name="Picture 2"/>
           <p:cNvPicPr>
             <a:picLocks noChangeAspect="1" noChangeArrowheads="1"/>
           </p:cNvPicPr>
@@ -3557,15 +3410,15 @@
         </p:nvPicPr>
         <p:blipFill>
           <a:blip r:embed="rId2" cstate="print"/>
-          <a:srcRect/>
+          <a:srcRect l="21857" t="13407" r="9518" b="19657"/>
           <a:stretch>
             <a:fillRect/>
           </a:stretch>
         </p:blipFill>
         <p:spPr bwMode="auto">
           <a:xfrm>
-            <a:off x="323528" y="476672"/>
-            <a:ext cx="8604448" cy="4837640"/>
+            <a:off x="0" y="404664"/>
+            <a:ext cx="8928992" cy="4896544"/>
           </a:xfrm>
           <a:prstGeom prst="rect">
             <a:avLst/>
@@ -3606,7 +3459,7 @@
       </p:grpSpPr>
       <p:pic>
         <p:nvPicPr>
-          <p:cNvPr id="6146" name="Picture 2"/>
+          <p:cNvPr id="2050" name="Picture 2"/>
           <p:cNvPicPr>
             <a:picLocks noChangeAspect="1" noChangeArrowheads="1"/>
           </p:cNvPicPr>
@@ -3614,15 +3467,15 @@
         </p:nvPicPr>
         <p:blipFill>
           <a:blip r:embed="rId2" cstate="print"/>
-          <a:srcRect/>
+          <a:srcRect l="21303" t="12422" r="11731" b="23594"/>
           <a:stretch>
             <a:fillRect/>
           </a:stretch>
         </p:blipFill>
         <p:spPr bwMode="auto">
           <a:xfrm>
-            <a:off x="323528" y="980728"/>
-            <a:ext cx="8640959" cy="4858167"/>
+            <a:off x="251520" y="476672"/>
+            <a:ext cx="8712968" cy="4680520"/>
           </a:xfrm>
           <a:prstGeom prst="rect">
             <a:avLst/>
@@ -3663,7 +3516,7 @@
       </p:grpSpPr>
       <p:pic>
         <p:nvPicPr>
-          <p:cNvPr id="7170" name="Picture 2"/>
+          <p:cNvPr id="8194" name="Picture 2"/>
           <p:cNvPicPr>
             <a:picLocks noChangeAspect="1" noChangeArrowheads="1"/>
           </p:cNvPicPr>
@@ -3671,15 +3524,15 @@
         </p:nvPicPr>
         <p:blipFill>
           <a:blip r:embed="rId2" cstate="print"/>
-          <a:srcRect/>
+          <a:srcRect l="20750" t="14391" r="10624" b="22610"/>
           <a:stretch>
             <a:fillRect/>
           </a:stretch>
         </p:blipFill>
         <p:spPr bwMode="auto">
           <a:xfrm>
-            <a:off x="323528" y="980728"/>
-            <a:ext cx="8655174" cy="4866159"/>
+            <a:off x="0" y="764704"/>
+            <a:ext cx="8928992" cy="4608512"/>
           </a:xfrm>
           <a:prstGeom prst="rect">
             <a:avLst/>
